--- a/description for web/slider.pptx
+++ b/description for web/slider.pptx
@@ -166,7 +166,7 @@
           <a:p>
             <a:fld id="{E69B9EE9-F3BF-4B40-83E7-C9BC68FDDB0E}" type="datetimeFigureOut">
               <a:rPr lang="en-US" smtClean="0"/>
-              <a:t>16/8/2024</a:t>
+              <a:t>20/9/2024</a:t>
             </a:fld>
             <a:endParaRPr lang="en-US"/>
           </a:p>
@@ -319,7 +319,7 @@
           <a:p>
             <a:fld id="{E69B9EE9-F3BF-4B40-83E7-C9BC68FDDB0E}" type="datetimeFigureOut">
               <a:rPr lang="en-US" smtClean="0"/>
-              <a:t>16/8/2024</a:t>
+              <a:t>20/9/2024</a:t>
             </a:fld>
             <a:endParaRPr lang="en-US"/>
           </a:p>
@@ -551,7 +551,7 @@
           <a:p>
             <a:fld id="{E69B9EE9-F3BF-4B40-83E7-C9BC68FDDB0E}" type="datetimeFigureOut">
               <a:rPr lang="en-US" smtClean="0"/>
-              <a:t>16/8/2024</a:t>
+              <a:t>20/9/2024</a:t>
             </a:fld>
             <a:endParaRPr lang="en-US"/>
           </a:p>
@@ -854,7 +854,7 @@
           <a:p>
             <a:fld id="{E69B9EE9-F3BF-4B40-83E7-C9BC68FDDB0E}" type="datetimeFigureOut">
               <a:rPr lang="en-US" smtClean="0"/>
-              <a:t>16/8/2024</a:t>
+              <a:t>20/9/2024</a:t>
             </a:fld>
             <a:endParaRPr lang="en-US"/>
           </a:p>
@@ -1064,7 +1064,7 @@
           <a:p>
             <a:fld id="{E69B9EE9-F3BF-4B40-83E7-C9BC68FDDB0E}" type="datetimeFigureOut">
               <a:rPr lang="en-US" smtClean="0"/>
-              <a:t>16/8/2024</a:t>
+              <a:t>20/9/2024</a:t>
             </a:fld>
             <a:endParaRPr lang="en-US"/>
           </a:p>
@@ -1173,10 +1173,10 @@
       </p:grpSpPr>
       <p:sp>
         <p:nvSpPr>
-          <p:cNvPr id="7" name="9Slide.vn - 2019">
-            <a:extLst>
-              <a:ext uri="{FF2B5EF4-FFF2-40B4-BE49-F238E27FC236}">
-                <a16:creationId xmlns:a16="http://schemas.microsoft.com/office/drawing/2014/main" id="{8F9B879B-F84A-42F4-6008-7A9FE40B6F26}"/>
+          <p:cNvPr id="8" name="9Slide.vn - 2019">
+            <a:extLst>
+              <a:ext uri="{FF2B5EF4-FFF2-40B4-BE49-F238E27FC236}">
+                <a16:creationId xmlns:a16="http://schemas.microsoft.com/office/drawing/2014/main" id="{B0171A37-13EB-1F25-BB03-3EC3AA26F718}"/>
               </a:ext>
             </a:extLst>
           </p:cNvPr>
@@ -1357,7 +1357,7 @@
           <a:p>
             <a:fld id="{E69B9EE9-F3BF-4B40-83E7-C9BC68FDDB0E}" type="datetimeFigureOut">
               <a:rPr lang="en-US" smtClean="0"/>
-              <a:t>16/8/2024</a:t>
+              <a:t>20/9/2024</a:t>
             </a:fld>
             <a:endParaRPr lang="en-US"/>
           </a:p>
@@ -4236,14 +4236,11 @@
       <p:bgPr>
         <a:gradFill>
           <a:gsLst>
-            <a:gs pos="30000">
-              <a:srgbClr val="024BA9"/>
+            <a:gs pos="29000">
+              <a:srgbClr val="F4ADB3"/>
             </a:gs>
-            <a:gs pos="82000">
-              <a:srgbClr val="F0BF60"/>
-            </a:gs>
-            <a:gs pos="31000">
-              <a:srgbClr val="F0BF60"/>
+            <a:gs pos="100000">
+              <a:srgbClr val="F4ADB3"/>
             </a:gs>
           </a:gsLst>
           <a:lin ang="10800000" scaled="0"/>
@@ -4590,6 +4587,812 @@
             </a:p>
           </p:txBody>
         </p:sp>
+      </p:grpSp>
+      <p:pic>
+        <p:nvPicPr>
+          <p:cNvPr id="1026" name="Picture 2">
+            <a:extLst>
+              <a:ext uri="{FF2B5EF4-FFF2-40B4-BE49-F238E27FC236}">
+                <a16:creationId xmlns:a16="http://schemas.microsoft.com/office/drawing/2014/main" id="{2D6E08BE-83CE-3224-19CA-2281BB5BCA42}"/>
+              </a:ext>
+            </a:extLst>
+          </p:cNvPr>
+          <p:cNvPicPr>
+            <a:picLocks noChangeAspect="1" noChangeArrowheads="1"/>
+          </p:cNvPicPr>
+          <p:nvPr/>
+        </p:nvPicPr>
+        <p:blipFill>
+          <a:blip r:embed="rId4">
+            <a:extLst>
+              <a:ext uri="{28A0092B-C50C-407E-A947-70E740481C1C}">
+                <a14:useLocalDpi xmlns:a14="http://schemas.microsoft.com/office/drawing/2010/main" val="0"/>
+              </a:ext>
+            </a:extLst>
+          </a:blip>
+          <a:srcRect/>
+          <a:stretch>
+            <a:fillRect/>
+          </a:stretch>
+        </p:blipFill>
+        <p:spPr bwMode="auto">
+          <a:xfrm>
+            <a:off x="12573000" y="368984"/>
+            <a:ext cx="3860800" cy="6858000"/>
+          </a:xfrm>
+          <a:prstGeom prst="rect">
+            <a:avLst/>
+          </a:prstGeom>
+          <a:noFill/>
+          <a:extLst>
+            <a:ext uri="{909E8E84-426E-40DD-AFC4-6F175D3DCCD1}">
+              <a14:hiddenFill xmlns:a14="http://schemas.microsoft.com/office/drawing/2010/main">
+                <a:solidFill>
+                  <a:srgbClr val="FFFFFF"/>
+                </a:solidFill>
+              </a14:hiddenFill>
+            </a:ext>
+          </a:extLst>
+        </p:spPr>
+      </p:pic>
+      <p:pic>
+        <p:nvPicPr>
+          <p:cNvPr id="1030" name="Picture 6">
+            <a:extLst>
+              <a:ext uri="{FF2B5EF4-FFF2-40B4-BE49-F238E27FC236}">
+                <a16:creationId xmlns:a16="http://schemas.microsoft.com/office/drawing/2014/main" id="{F11320FF-5D65-2C53-B572-0C62D025E73B}"/>
+              </a:ext>
+            </a:extLst>
+          </p:cNvPr>
+          <p:cNvPicPr>
+            <a:picLocks noChangeAspect="1" noChangeArrowheads="1"/>
+          </p:cNvPicPr>
+          <p:nvPr/>
+        </p:nvPicPr>
+        <p:blipFill>
+          <a:blip r:embed="rId5">
+            <a:extLst>
+              <a:ext uri="{28A0092B-C50C-407E-A947-70E740481C1C}">
+                <a14:useLocalDpi xmlns:a14="http://schemas.microsoft.com/office/drawing/2010/main" val="0"/>
+              </a:ext>
+            </a:extLst>
+          </a:blip>
+          <a:srcRect/>
+          <a:stretch>
+            <a:fillRect/>
+          </a:stretch>
+        </p:blipFill>
+        <p:spPr bwMode="auto">
+          <a:xfrm>
+            <a:off x="16758737" y="363123"/>
+            <a:ext cx="3860800" cy="6858000"/>
+          </a:xfrm>
+          <a:prstGeom prst="rect">
+            <a:avLst/>
+          </a:prstGeom>
+          <a:noFill/>
+          <a:extLst>
+            <a:ext uri="{909E8E84-426E-40DD-AFC4-6F175D3DCCD1}">
+              <a14:hiddenFill xmlns:a14="http://schemas.microsoft.com/office/drawing/2010/main">
+                <a:solidFill>
+                  <a:srgbClr val="FFFFFF"/>
+                </a:solidFill>
+              </a14:hiddenFill>
+            </a:ext>
+          </a:extLst>
+        </p:spPr>
+      </p:pic>
+      <p:grpSp>
+        <p:nvGrpSpPr>
+          <p:cNvPr id="1042" name="Group 1041">
+            <a:extLst>
+              <a:ext uri="{FF2B5EF4-FFF2-40B4-BE49-F238E27FC236}">
+                <a16:creationId xmlns:a16="http://schemas.microsoft.com/office/drawing/2014/main" id="{52FDF830-0A37-9B4C-EED6-608CD1FE2344}"/>
+              </a:ext>
+            </a:extLst>
+          </p:cNvPr>
+          <p:cNvGrpSpPr/>
+          <p:nvPr/>
+        </p:nvGrpSpPr>
+        <p:grpSpPr>
+          <a:xfrm>
+            <a:off x="8146305" y="-2779051"/>
+            <a:ext cx="3442218" cy="6589051"/>
+            <a:chOff x="7391903" y="-2865776"/>
+            <a:chExt cx="3442218" cy="6589051"/>
+          </a:xfrm>
+        </p:grpSpPr>
+        <p:sp>
+          <p:nvSpPr>
+            <p:cNvPr id="2" name="Rectangle: Rounded Corners 1">
+              <a:extLst>
+                <a:ext uri="{FF2B5EF4-FFF2-40B4-BE49-F238E27FC236}">
+                  <a16:creationId xmlns:a16="http://schemas.microsoft.com/office/drawing/2014/main" id="{B393E346-A61B-1DBE-E0DD-A66CBFDB872C}"/>
+                </a:ext>
+              </a:extLst>
+            </p:cNvPr>
+            <p:cNvSpPr/>
+            <p:nvPr/>
+          </p:nvSpPr>
+          <p:spPr>
+            <a:xfrm rot="20950694">
+              <a:off x="7391903" y="983297"/>
+              <a:ext cx="2425320" cy="718159"/>
+            </a:xfrm>
+            <a:prstGeom prst="roundRect">
+              <a:avLst/>
+            </a:prstGeom>
+            <a:solidFill>
+              <a:srgbClr val="FFFFFF"/>
+            </a:solidFill>
+            <a:ln>
+              <a:noFill/>
+            </a:ln>
+          </p:spPr>
+          <p:style>
+            <a:lnRef idx="2">
+              <a:schemeClr val="accent1">
+                <a:shade val="50000"/>
+              </a:schemeClr>
+            </a:lnRef>
+            <a:fillRef idx="1">
+              <a:schemeClr val="accent1"/>
+            </a:fillRef>
+            <a:effectRef idx="0">
+              <a:schemeClr val="accent1"/>
+            </a:effectRef>
+            <a:fontRef idx="minor">
+              <a:schemeClr val="lt1"/>
+            </a:fontRef>
+          </p:style>
+          <p:txBody>
+            <a:bodyPr rtlCol="0" anchor="ctr"/>
+            <a:lstStyle/>
+            <a:p>
+              <a:pPr algn="ctr"/>
+              <a:endParaRPr lang="en-US"/>
+            </a:p>
+          </p:txBody>
+        </p:sp>
+        <p:sp>
+          <p:nvSpPr>
+            <p:cNvPr id="8" name="Rectangle: Rounded Corners 7">
+              <a:extLst>
+                <a:ext uri="{FF2B5EF4-FFF2-40B4-BE49-F238E27FC236}">
+                  <a16:creationId xmlns:a16="http://schemas.microsoft.com/office/drawing/2014/main" id="{503D1604-6337-5403-ED23-5A349D938620}"/>
+                </a:ext>
+              </a:extLst>
+            </p:cNvPr>
+            <p:cNvSpPr/>
+            <p:nvPr/>
+          </p:nvSpPr>
+          <p:spPr>
+            <a:xfrm rot="365160">
+              <a:off x="8612065" y="2035833"/>
+              <a:ext cx="2222056" cy="654308"/>
+            </a:xfrm>
+            <a:prstGeom prst="roundRect">
+              <a:avLst/>
+            </a:prstGeom>
+            <a:solidFill>
+              <a:srgbClr val="FFFFFF"/>
+            </a:solidFill>
+            <a:ln>
+              <a:noFill/>
+            </a:ln>
+          </p:spPr>
+          <p:style>
+            <a:lnRef idx="2">
+              <a:schemeClr val="accent1">
+                <a:shade val="50000"/>
+              </a:schemeClr>
+            </a:lnRef>
+            <a:fillRef idx="1">
+              <a:schemeClr val="accent1"/>
+            </a:fillRef>
+            <a:effectRef idx="0">
+              <a:schemeClr val="accent1"/>
+            </a:effectRef>
+            <a:fontRef idx="minor">
+              <a:schemeClr val="lt1"/>
+            </a:fontRef>
+          </p:style>
+          <p:txBody>
+            <a:bodyPr rtlCol="0" anchor="ctr"/>
+            <a:lstStyle/>
+            <a:p>
+              <a:pPr algn="ctr"/>
+              <a:endParaRPr lang="en-US"/>
+            </a:p>
+          </p:txBody>
+        </p:sp>
+        <p:cxnSp>
+          <p:nvCxnSpPr>
+            <p:cNvPr id="14" name="Straight Connector 13">
+              <a:extLst>
+                <a:ext uri="{FF2B5EF4-FFF2-40B4-BE49-F238E27FC236}">
+                  <a16:creationId xmlns:a16="http://schemas.microsoft.com/office/drawing/2014/main" id="{32E57518-4725-73C0-03D3-68B4BE0214EF}"/>
+                </a:ext>
+              </a:extLst>
+            </p:cNvPr>
+            <p:cNvCxnSpPr/>
+            <p:nvPr/>
+          </p:nvCxnSpPr>
+          <p:spPr>
+            <a:xfrm>
+              <a:off x="8229600" y="-2580940"/>
+              <a:ext cx="0" cy="3018176"/>
+            </a:xfrm>
+            <a:prstGeom prst="line">
+              <a:avLst/>
+            </a:prstGeom>
+            <a:ln w="19050">
+              <a:solidFill>
+                <a:schemeClr val="bg1"/>
+              </a:solidFill>
+            </a:ln>
+          </p:spPr>
+          <p:style>
+            <a:lnRef idx="1">
+              <a:schemeClr val="accent1"/>
+            </a:lnRef>
+            <a:fillRef idx="0">
+              <a:schemeClr val="accent1"/>
+            </a:fillRef>
+            <a:effectRef idx="0">
+              <a:schemeClr val="accent1"/>
+            </a:effectRef>
+            <a:fontRef idx="minor">
+              <a:schemeClr val="tx1"/>
+            </a:fontRef>
+          </p:style>
+        </p:cxnSp>
+        <p:sp>
+          <p:nvSpPr>
+            <p:cNvPr id="15" name="TextBox 14">
+              <a:extLst>
+                <a:ext uri="{FF2B5EF4-FFF2-40B4-BE49-F238E27FC236}">
+                  <a16:creationId xmlns:a16="http://schemas.microsoft.com/office/drawing/2014/main" id="{AAF97576-1007-3B66-B3C6-1CFEC2AF0E79}"/>
+                </a:ext>
+              </a:extLst>
+            </p:cNvPr>
+            <p:cNvSpPr txBox="1"/>
+            <p:nvPr/>
+          </p:nvSpPr>
+          <p:spPr>
+            <a:xfrm rot="20852071">
+              <a:off x="7970556" y="255379"/>
+              <a:ext cx="1889684" cy="492443"/>
+            </a:xfrm>
+            <a:prstGeom prst="rect">
+              <a:avLst/>
+            </a:prstGeom>
+            <a:noFill/>
+          </p:spPr>
+          <p:txBody>
+            <a:bodyPr wrap="none" lIns="0" tIns="0" rIns="0" bIns="0" rtlCol="0">
+              <a:spAutoFit/>
+            </a:bodyPr>
+            <a:lstStyle/>
+            <a:p>
+              <a:pPr algn="l"/>
+              <a:r>
+                <a:rPr lang="en-US" sz="3200">
+                  <a:solidFill>
+                    <a:schemeClr val="bg1"/>
+                  </a:solidFill>
+                  <a:latin typeface="#9Slide03 Ample" panose="02000000000000000000" pitchFamily="2" charset="0"/>
+                </a:rPr>
+                <a:t>FEEDBACK</a:t>
+              </a:r>
+            </a:p>
+          </p:txBody>
+        </p:sp>
+        <p:cxnSp>
+          <p:nvCxnSpPr>
+            <p:cNvPr id="16" name="Straight Connector 15">
+              <a:extLst>
+                <a:ext uri="{FF2B5EF4-FFF2-40B4-BE49-F238E27FC236}">
+                  <a16:creationId xmlns:a16="http://schemas.microsoft.com/office/drawing/2014/main" id="{54EEE3A6-8629-60B5-F027-90FBE20EB798}"/>
+                </a:ext>
+              </a:extLst>
+            </p:cNvPr>
+            <p:cNvCxnSpPr/>
+            <p:nvPr/>
+          </p:nvCxnSpPr>
+          <p:spPr>
+            <a:xfrm>
+              <a:off x="8763000" y="-2725392"/>
+              <a:ext cx="0" cy="3018176"/>
+            </a:xfrm>
+            <a:prstGeom prst="line">
+              <a:avLst/>
+            </a:prstGeom>
+            <a:ln w="19050">
+              <a:solidFill>
+                <a:schemeClr val="bg1"/>
+              </a:solidFill>
+            </a:ln>
+          </p:spPr>
+          <p:style>
+            <a:lnRef idx="1">
+              <a:schemeClr val="accent1"/>
+            </a:lnRef>
+            <a:fillRef idx="0">
+              <a:schemeClr val="accent1"/>
+            </a:fillRef>
+            <a:effectRef idx="0">
+              <a:schemeClr val="accent1"/>
+            </a:effectRef>
+            <a:fontRef idx="minor">
+              <a:schemeClr val="tx1"/>
+            </a:fontRef>
+          </p:style>
+        </p:cxnSp>
+        <p:cxnSp>
+          <p:nvCxnSpPr>
+            <p:cNvPr id="17" name="Straight Connector 16">
+              <a:extLst>
+                <a:ext uri="{FF2B5EF4-FFF2-40B4-BE49-F238E27FC236}">
+                  <a16:creationId xmlns:a16="http://schemas.microsoft.com/office/drawing/2014/main" id="{2133E1D2-9D40-38B9-9762-049041B79266}"/>
+                </a:ext>
+              </a:extLst>
+            </p:cNvPr>
+            <p:cNvCxnSpPr/>
+            <p:nvPr/>
+          </p:nvCxnSpPr>
+          <p:spPr>
+            <a:xfrm>
+              <a:off x="9296400" y="-2865776"/>
+              <a:ext cx="0" cy="3018176"/>
+            </a:xfrm>
+            <a:prstGeom prst="line">
+              <a:avLst/>
+            </a:prstGeom>
+            <a:ln w="19050">
+              <a:solidFill>
+                <a:schemeClr val="bg1"/>
+              </a:solidFill>
+            </a:ln>
+          </p:spPr>
+          <p:style>
+            <a:lnRef idx="1">
+              <a:schemeClr val="accent1"/>
+            </a:lnRef>
+            <a:fillRef idx="0">
+              <a:schemeClr val="accent1"/>
+            </a:fillRef>
+            <a:effectRef idx="0">
+              <a:schemeClr val="accent1"/>
+            </a:effectRef>
+            <a:fontRef idx="minor">
+              <a:schemeClr val="tx1"/>
+            </a:fontRef>
+          </p:style>
+        </p:cxnSp>
+        <p:cxnSp>
+          <p:nvCxnSpPr>
+            <p:cNvPr id="18" name="Straight Connector 17">
+              <a:extLst>
+                <a:ext uri="{FF2B5EF4-FFF2-40B4-BE49-F238E27FC236}">
+                  <a16:creationId xmlns:a16="http://schemas.microsoft.com/office/drawing/2014/main" id="{EEEAC25D-D93E-9C89-0F96-A29364952482}"/>
+                </a:ext>
+              </a:extLst>
+            </p:cNvPr>
+            <p:cNvCxnSpPr>
+              <a:cxnSpLocks/>
+            </p:cNvCxnSpPr>
+            <p:nvPr/>
+          </p:nvCxnSpPr>
+          <p:spPr>
+            <a:xfrm>
+              <a:off x="8229600" y="920151"/>
+              <a:ext cx="0" cy="827005"/>
+            </a:xfrm>
+            <a:prstGeom prst="line">
+              <a:avLst/>
+            </a:prstGeom>
+            <a:ln w="19050">
+              <a:solidFill>
+                <a:schemeClr val="bg1"/>
+              </a:solidFill>
+            </a:ln>
+          </p:spPr>
+          <p:style>
+            <a:lnRef idx="1">
+              <a:schemeClr val="accent1"/>
+            </a:lnRef>
+            <a:fillRef idx="0">
+              <a:schemeClr val="accent1"/>
+            </a:fillRef>
+            <a:effectRef idx="0">
+              <a:schemeClr val="accent1"/>
+            </a:effectRef>
+            <a:fontRef idx="minor">
+              <a:schemeClr val="tx1"/>
+            </a:fontRef>
+          </p:style>
+        </p:cxnSp>
+        <p:cxnSp>
+          <p:nvCxnSpPr>
+            <p:cNvPr id="20" name="Straight Connector 19">
+              <a:extLst>
+                <a:ext uri="{FF2B5EF4-FFF2-40B4-BE49-F238E27FC236}">
+                  <a16:creationId xmlns:a16="http://schemas.microsoft.com/office/drawing/2014/main" id="{BB00ECCA-C52D-910E-175B-CA7078916BFE}"/>
+                </a:ext>
+              </a:extLst>
+            </p:cNvPr>
+            <p:cNvCxnSpPr>
+              <a:cxnSpLocks/>
+            </p:cNvCxnSpPr>
+            <p:nvPr/>
+          </p:nvCxnSpPr>
+          <p:spPr>
+            <a:xfrm>
+              <a:off x="8773160" y="818077"/>
+              <a:ext cx="0" cy="2153723"/>
+            </a:xfrm>
+            <a:prstGeom prst="line">
+              <a:avLst/>
+            </a:prstGeom>
+            <a:ln w="19050">
+              <a:solidFill>
+                <a:schemeClr val="bg1"/>
+              </a:solidFill>
+            </a:ln>
+          </p:spPr>
+          <p:style>
+            <a:lnRef idx="1">
+              <a:schemeClr val="accent1"/>
+            </a:lnRef>
+            <a:fillRef idx="0">
+              <a:schemeClr val="accent1"/>
+            </a:fillRef>
+            <a:effectRef idx="0">
+              <a:schemeClr val="accent1"/>
+            </a:effectRef>
+            <a:fontRef idx="minor">
+              <a:schemeClr val="tx1"/>
+            </a:fontRef>
+          </p:style>
+        </p:cxnSp>
+        <p:cxnSp>
+          <p:nvCxnSpPr>
+            <p:cNvPr id="21" name="Straight Connector 20">
+              <a:extLst>
+                <a:ext uri="{FF2B5EF4-FFF2-40B4-BE49-F238E27FC236}">
+                  <a16:creationId xmlns:a16="http://schemas.microsoft.com/office/drawing/2014/main" id="{A9E96C01-EEE5-9568-253B-CE6765556FC6}"/>
+                </a:ext>
+              </a:extLst>
+            </p:cNvPr>
+            <p:cNvCxnSpPr>
+              <a:cxnSpLocks/>
+            </p:cNvCxnSpPr>
+            <p:nvPr/>
+          </p:nvCxnSpPr>
+          <p:spPr>
+            <a:xfrm>
+              <a:off x="9296400" y="685800"/>
+              <a:ext cx="0" cy="1828800"/>
+            </a:xfrm>
+            <a:prstGeom prst="line">
+              <a:avLst/>
+            </a:prstGeom>
+            <a:ln w="19050">
+              <a:solidFill>
+                <a:schemeClr val="bg1"/>
+              </a:solidFill>
+            </a:ln>
+          </p:spPr>
+          <p:style>
+            <a:lnRef idx="1">
+              <a:schemeClr val="accent1"/>
+            </a:lnRef>
+            <a:fillRef idx="0">
+              <a:schemeClr val="accent1"/>
+            </a:fillRef>
+            <a:effectRef idx="0">
+              <a:schemeClr val="accent1"/>
+            </a:effectRef>
+            <a:fontRef idx="minor">
+              <a:schemeClr val="tx1"/>
+            </a:fontRef>
+          </p:style>
+        </p:cxnSp>
+        <p:sp>
+          <p:nvSpPr>
+            <p:cNvPr id="27" name="Rectangle: Rounded Corners 26">
+              <a:extLst>
+                <a:ext uri="{FF2B5EF4-FFF2-40B4-BE49-F238E27FC236}">
+                  <a16:creationId xmlns:a16="http://schemas.microsoft.com/office/drawing/2014/main" id="{1A4A78F9-5434-C2D2-6BEF-BD0DA9967FA9}"/>
+                </a:ext>
+              </a:extLst>
+            </p:cNvPr>
+            <p:cNvSpPr/>
+            <p:nvPr/>
+          </p:nvSpPr>
+          <p:spPr>
+            <a:xfrm rot="20957127">
+              <a:off x="7451893" y="2990406"/>
+              <a:ext cx="1971812" cy="732869"/>
+            </a:xfrm>
+            <a:prstGeom prst="roundRect">
+              <a:avLst/>
+            </a:prstGeom>
+            <a:solidFill>
+              <a:srgbClr val="FFFFFF"/>
+            </a:solidFill>
+            <a:ln>
+              <a:noFill/>
+            </a:ln>
+          </p:spPr>
+          <p:style>
+            <a:lnRef idx="2">
+              <a:schemeClr val="accent1">
+                <a:shade val="50000"/>
+              </a:schemeClr>
+            </a:lnRef>
+            <a:fillRef idx="1">
+              <a:schemeClr val="accent1"/>
+            </a:fillRef>
+            <a:effectRef idx="0">
+              <a:schemeClr val="accent1"/>
+            </a:effectRef>
+            <a:fontRef idx="minor">
+              <a:schemeClr val="lt1"/>
+            </a:fontRef>
+          </p:style>
+          <p:txBody>
+            <a:bodyPr rtlCol="0" anchor="ctr"/>
+            <a:lstStyle/>
+            <a:p>
+              <a:pPr algn="ctr"/>
+              <a:endParaRPr lang="en-US"/>
+            </a:p>
+          </p:txBody>
+        </p:sp>
+        <p:sp>
+          <p:nvSpPr>
+            <p:cNvPr id="31" name="TextBox 30">
+              <a:extLst>
+                <a:ext uri="{FF2B5EF4-FFF2-40B4-BE49-F238E27FC236}">
+                  <a16:creationId xmlns:a16="http://schemas.microsoft.com/office/drawing/2014/main" id="{8A59A2B0-7E3E-E5F2-EEDC-71CCAEAD81E9}"/>
+                </a:ext>
+              </a:extLst>
+            </p:cNvPr>
+            <p:cNvSpPr txBox="1"/>
+            <p:nvPr/>
+          </p:nvSpPr>
+          <p:spPr>
+            <a:xfrm rot="20852071">
+              <a:off x="8135108" y="1043246"/>
+              <a:ext cx="938911" cy="553998"/>
+            </a:xfrm>
+            <a:prstGeom prst="rect">
+              <a:avLst/>
+            </a:prstGeom>
+            <a:noFill/>
+          </p:spPr>
+          <p:txBody>
+            <a:bodyPr wrap="none" lIns="0" tIns="0" rIns="0" bIns="0" rtlCol="0">
+              <a:spAutoFit/>
+            </a:bodyPr>
+            <a:lstStyle/>
+            <a:p>
+              <a:pPr algn="l"/>
+              <a:r>
+                <a:rPr lang="en-US" sz="3600">
+                  <a:solidFill>
+                    <a:srgbClr val="F4ADB3"/>
+                  </a:solidFill>
+                  <a:latin typeface="#9Slide03 Ample" panose="02000000000000000000" pitchFamily="2" charset="0"/>
+                </a:rPr>
+                <a:t>Love</a:t>
+              </a:r>
+              <a:endParaRPr lang="en-US" sz="3200">
+                <a:solidFill>
+                  <a:srgbClr val="F4ADB3"/>
+                </a:solidFill>
+                <a:latin typeface="#9Slide03 Ample" panose="02000000000000000000" pitchFamily="2" charset="0"/>
+              </a:endParaRPr>
+            </a:p>
+          </p:txBody>
+        </p:sp>
+        <p:sp>
+          <p:nvSpPr>
+            <p:cNvPr id="1024" name="TextBox 1023">
+              <a:extLst>
+                <a:ext uri="{FF2B5EF4-FFF2-40B4-BE49-F238E27FC236}">
+                  <a16:creationId xmlns:a16="http://schemas.microsoft.com/office/drawing/2014/main" id="{45759E7F-7CD8-D8A8-BBA7-BE3A077C56A1}"/>
+                </a:ext>
+              </a:extLst>
+            </p:cNvPr>
+            <p:cNvSpPr txBox="1"/>
+            <p:nvPr/>
+          </p:nvSpPr>
+          <p:spPr>
+            <a:xfrm rot="325963">
+              <a:off x="9305346" y="2076146"/>
+              <a:ext cx="804836" cy="553998"/>
+            </a:xfrm>
+            <a:prstGeom prst="rect">
+              <a:avLst/>
+            </a:prstGeom>
+            <a:noFill/>
+          </p:spPr>
+          <p:txBody>
+            <a:bodyPr wrap="none" lIns="0" tIns="0" rIns="0" bIns="0" rtlCol="0">
+              <a:spAutoFit/>
+            </a:bodyPr>
+            <a:lstStyle/>
+            <a:p>
+              <a:pPr algn="l"/>
+              <a:r>
+                <a:rPr lang="en-US" sz="3600">
+                  <a:solidFill>
+                    <a:srgbClr val="F4ADB3"/>
+                  </a:solidFill>
+                  <a:latin typeface="#9Slide03 Ample" panose="02000000000000000000" pitchFamily="2" charset="0"/>
+                </a:rPr>
+                <a:t>Like</a:t>
+              </a:r>
+              <a:endParaRPr lang="en-US" sz="3200">
+                <a:solidFill>
+                  <a:srgbClr val="F4ADB3"/>
+                </a:solidFill>
+                <a:latin typeface="#9Slide03 Ample" panose="02000000000000000000" pitchFamily="2" charset="0"/>
+              </a:endParaRPr>
+            </a:p>
+          </p:txBody>
+        </p:sp>
+        <p:sp>
+          <p:nvSpPr>
+            <p:cNvPr id="1025" name="TextBox 1024">
+              <a:extLst>
+                <a:ext uri="{FF2B5EF4-FFF2-40B4-BE49-F238E27FC236}">
+                  <a16:creationId xmlns:a16="http://schemas.microsoft.com/office/drawing/2014/main" id="{3663B687-5C27-3673-700F-E8E8EA69BA61}"/>
+                </a:ext>
+              </a:extLst>
+            </p:cNvPr>
+            <p:cNvSpPr txBox="1"/>
+            <p:nvPr/>
+          </p:nvSpPr>
+          <p:spPr>
+            <a:xfrm rot="20821247">
+              <a:off x="7896785" y="3063553"/>
+              <a:ext cx="1098186" cy="553998"/>
+            </a:xfrm>
+            <a:prstGeom prst="rect">
+              <a:avLst/>
+            </a:prstGeom>
+            <a:noFill/>
+          </p:spPr>
+          <p:txBody>
+            <a:bodyPr wrap="none" lIns="0" tIns="0" rIns="0" bIns="0" rtlCol="0">
+              <a:spAutoFit/>
+            </a:bodyPr>
+            <a:lstStyle/>
+            <a:p>
+              <a:pPr algn="l"/>
+              <a:r>
+                <a:rPr lang="en-US" sz="3600">
+                  <a:solidFill>
+                    <a:srgbClr val="F4ADB3"/>
+                  </a:solidFill>
+                  <a:latin typeface="#9Slide03 Ample" panose="02000000000000000000" pitchFamily="2" charset="0"/>
+                </a:rPr>
+                <a:t>Share</a:t>
+              </a:r>
+              <a:endParaRPr lang="en-US" sz="3200">
+                <a:solidFill>
+                  <a:srgbClr val="F4ADB3"/>
+                </a:solidFill>
+                <a:latin typeface="#9Slide03 Ample" panose="02000000000000000000" pitchFamily="2" charset="0"/>
+              </a:endParaRPr>
+            </a:p>
+          </p:txBody>
+        </p:sp>
+        <p:pic>
+          <p:nvPicPr>
+            <p:cNvPr id="1034" name="Picture 1033">
+              <a:extLst>
+                <a:ext uri="{FF2B5EF4-FFF2-40B4-BE49-F238E27FC236}">
+                  <a16:creationId xmlns:a16="http://schemas.microsoft.com/office/drawing/2014/main" id="{EC571F56-CB5B-9989-AF93-CF2734BC5289}"/>
+                </a:ext>
+              </a:extLst>
+            </p:cNvPr>
+            <p:cNvPicPr>
+              <a:picLocks noChangeAspect="1"/>
+            </p:cNvPicPr>
+            <p:nvPr/>
+          </p:nvPicPr>
+          <p:blipFill>
+            <a:blip r:embed="rId6"/>
+            <a:stretch>
+              <a:fillRect/>
+            </a:stretch>
+          </p:blipFill>
+          <p:spPr>
+            <a:xfrm rot="20604652">
+              <a:off x="9331795" y="1350749"/>
+              <a:ext cx="290256" cy="290256"/>
+            </a:xfrm>
+            <a:prstGeom prst="rect">
+              <a:avLst/>
+            </a:prstGeom>
+          </p:spPr>
+        </p:pic>
+        <p:pic>
+          <p:nvPicPr>
+            <p:cNvPr id="1037" name="Picture 1036">
+              <a:extLst>
+                <a:ext uri="{FF2B5EF4-FFF2-40B4-BE49-F238E27FC236}">
+                  <a16:creationId xmlns:a16="http://schemas.microsoft.com/office/drawing/2014/main" id="{20D27A2C-7FEB-0A96-4118-442392B6AC10}"/>
+                </a:ext>
+              </a:extLst>
+            </p:cNvPr>
+            <p:cNvPicPr>
+              <a:picLocks noChangeAspect="1"/>
+            </p:cNvPicPr>
+            <p:nvPr/>
+          </p:nvPicPr>
+          <p:blipFill>
+            <a:blip r:embed="rId7">
+              <a:extLst>
+                <a:ext uri="{28A0092B-C50C-407E-A947-70E740481C1C}">
+                  <a14:useLocalDpi xmlns:a14="http://schemas.microsoft.com/office/drawing/2010/main" val="0"/>
+                </a:ext>
+              </a:extLst>
+            </a:blip>
+            <a:srcRect/>
+            <a:stretch/>
+          </p:blipFill>
+          <p:spPr>
+            <a:xfrm rot="463157">
+              <a:off x="10359565" y="2663365"/>
+              <a:ext cx="290256" cy="290256"/>
+            </a:xfrm>
+            <a:prstGeom prst="rect">
+              <a:avLst/>
+            </a:prstGeom>
+          </p:spPr>
+        </p:pic>
+        <p:pic>
+          <p:nvPicPr>
+            <p:cNvPr id="1041" name="Picture 1040">
+              <a:extLst>
+                <a:ext uri="{FF2B5EF4-FFF2-40B4-BE49-F238E27FC236}">
+                  <a16:creationId xmlns:a16="http://schemas.microsoft.com/office/drawing/2014/main" id="{AA344180-A993-232F-107E-84681D90CAA6}"/>
+                </a:ext>
+              </a:extLst>
+            </p:cNvPr>
+            <p:cNvPicPr>
+              <a:picLocks noChangeAspect="1"/>
+            </p:cNvPicPr>
+            <p:nvPr/>
+          </p:nvPicPr>
+          <p:blipFill>
+            <a:blip r:embed="rId8">
+              <a:extLst>
+                <a:ext uri="{28A0092B-C50C-407E-A947-70E740481C1C}">
+                  <a14:useLocalDpi xmlns:a14="http://schemas.microsoft.com/office/drawing/2010/main" val="0"/>
+                </a:ext>
+              </a:extLst>
+            </a:blip>
+            <a:stretch>
+              <a:fillRect/>
+            </a:stretch>
+          </p:blipFill>
+          <p:spPr>
+            <a:xfrm rot="21099740">
+              <a:off x="9158590" y="3386964"/>
+              <a:ext cx="306721" cy="306721"/>
+            </a:xfrm>
+            <a:prstGeom prst="rect">
+              <a:avLst/>
+            </a:prstGeom>
+          </p:spPr>
+        </p:pic>
       </p:grpSp>
     </p:spTree>
     <p:extLst>
